--- a/docs/ppt/ppt-android-hook-20200316.pptx
+++ b/docs/ppt/ppt-android-hook-20200316.pptx
@@ -5,7 +5,7 @@
     <p:sldMasterId id="2147483960" r:id="rId1"/>
   </p:sldMasterIdLst>
   <p:notesMasterIdLst>
-    <p:notesMasterId r:id="rId8"/>
+    <p:notesMasterId r:id="rId9"/>
   </p:notesMasterIdLst>
   <p:sldIdLst>
     <p:sldId id="256" r:id="rId2"/>
@@ -14,6 +14,7 @@
     <p:sldId id="261" r:id="rId5"/>
     <p:sldId id="262" r:id="rId6"/>
     <p:sldId id="263" r:id="rId7"/>
+    <p:sldId id="264" r:id="rId8"/>
   </p:sldIdLst>
   <p:sldSz cx="9144000" cy="6858000" type="screen4x3"/>
   <p:notesSz cx="6858000" cy="9144000"/>
@@ -6364,7 +6365,7 @@
               <a:t>mH</a:t>
             </a:r>
             <a:r>
-              <a:rPr kumimoji="1" lang="zh-CN" altLang="en-US"/>
+              <a:rPr kumimoji="1" lang="zh-CN" altLang="en-US" dirty="0"/>
               <a:t> 管理的生命周期。</a:t>
             </a:r>
             <a:endParaRPr kumimoji="1" lang="en-US" altLang="zh-CN" dirty="0"/>
@@ -6378,6 +6379,92 @@
     <p:extLst>
       <p:ext uri="{BB962C8B-B14F-4D97-AF65-F5344CB8AC3E}">
         <p14:creationId xmlns:p14="http://schemas.microsoft.com/office/powerpoint/2010/main" val="3285189798"/>
+      </p:ext>
+    </p:extLst>
+  </p:cSld>
+  <p:clrMapOvr>
+    <a:masterClrMapping/>
+  </p:clrMapOvr>
+</p:sld>
+</file>
+
+<file path=ppt/slides/slide7.xml><?xml version="1.0" encoding="utf-8"?>
+<p:sld xmlns:a="http://schemas.openxmlformats.org/drawingml/2006/main" xmlns:r="http://schemas.openxmlformats.org/officeDocument/2006/relationships" xmlns:p="http://schemas.openxmlformats.org/presentationml/2006/main">
+  <p:cSld>
+    <p:spTree>
+      <p:nvGrpSpPr>
+        <p:cNvPr id="1" name=""/>
+        <p:cNvGrpSpPr/>
+        <p:nvPr/>
+      </p:nvGrpSpPr>
+      <p:grpSpPr>
+        <a:xfrm>
+          <a:off x="0" y="0"/>
+          <a:ext cx="0" cy="0"/>
+          <a:chOff x="0" y="0"/>
+          <a:chExt cx="0" cy="0"/>
+        </a:xfrm>
+      </p:grpSpPr>
+      <p:sp>
+        <p:nvSpPr>
+          <p:cNvPr id="2" name="标题 1">
+            <a:extLst>
+              <a:ext uri="{FF2B5EF4-FFF2-40B4-BE49-F238E27FC236}">
+                <a16:creationId xmlns:a16="http://schemas.microsoft.com/office/drawing/2014/main" id="{76237C84-5AC6-FB48-8E8B-0C5BEFECC77E}"/>
+              </a:ext>
+            </a:extLst>
+          </p:cNvPr>
+          <p:cNvSpPr>
+            <a:spLocks noGrp="1"/>
+          </p:cNvSpPr>
+          <p:nvPr>
+            <p:ph type="title"/>
+          </p:nvPr>
+        </p:nvSpPr>
+        <p:spPr/>
+        <p:txBody>
+          <a:bodyPr/>
+          <a:lstStyle/>
+          <a:p>
+            <a:r>
+              <a:rPr kumimoji="1" lang="zh-CN" altLang="en-US" dirty="0"/>
+              <a:t>问题：</a:t>
+            </a:r>
+          </a:p>
+        </p:txBody>
+      </p:sp>
+      <p:sp>
+        <p:nvSpPr>
+          <p:cNvPr id="3" name="内容占位符 2">
+            <a:extLst>
+              <a:ext uri="{FF2B5EF4-FFF2-40B4-BE49-F238E27FC236}">
+                <a16:creationId xmlns:a16="http://schemas.microsoft.com/office/drawing/2014/main" id="{8D4CE33F-AF71-A346-89E2-759451E7CDB3}"/>
+              </a:ext>
+            </a:extLst>
+          </p:cNvPr>
+          <p:cNvSpPr>
+            <a:spLocks noGrp="1"/>
+          </p:cNvSpPr>
+          <p:nvPr>
+            <p:ph idx="1"/>
+          </p:nvPr>
+        </p:nvSpPr>
+        <p:spPr/>
+        <p:txBody>
+          <a:bodyPr/>
+          <a:lstStyle/>
+          <a:p>
+            <a:r>
+              <a:rPr kumimoji="1" lang="zh-CN" altLang="en-US" dirty="0"/>
+              <a:t>系统兼容性</a:t>
+            </a:r>
+          </a:p>
+        </p:txBody>
+      </p:sp>
+    </p:spTree>
+    <p:extLst>
+      <p:ext uri="{BB962C8B-B14F-4D97-AF65-F5344CB8AC3E}">
+        <p14:creationId xmlns:p14="http://schemas.microsoft.com/office/powerpoint/2010/main" val="628225885"/>
       </p:ext>
     </p:extLst>
   </p:cSld>
